--- a/UML/4_객체UML(클래스관계-문제해결).pptx
+++ b/UML/4_객체UML(클래스관계-문제해결).pptx
@@ -232,7 +232,7 @@
           <a:p>
             <a:fld id="{4F4BDD88-E5D9-4E70-A448-3556BB33AA72}" type="datetimeFigureOut">
               <a:rPr lang="ko-KR" altLang="en-US" smtClean="0"/>
-              <a:t>2019-09-02</a:t>
+              <a:t>2019-09-03</a:t>
             </a:fld>
             <a:endParaRPr lang="ko-KR" altLang="en-US"/>
           </a:p>
@@ -799,7 +799,7 @@
           <a:p>
             <a:fld id="{443EFB69-F0EC-4822-AE63-00EAEBE003EB}" type="datetime1">
               <a:rPr lang="ko-KR" altLang="en-US" smtClean="0"/>
-              <a:t>2019-09-02</a:t>
+              <a:t>2019-09-03</a:t>
             </a:fld>
             <a:endParaRPr lang="ko-KR" altLang="en-US"/>
           </a:p>
@@ -1062,7 +1062,7 @@
           <a:p>
             <a:fld id="{CE59A610-291F-4FCD-B6D1-E1AEA4C57316}" type="datetime1">
               <a:rPr lang="ko-KR" altLang="en-US" smtClean="0"/>
-              <a:t>2019-09-02</a:t>
+              <a:t>2019-09-03</a:t>
             </a:fld>
             <a:endParaRPr lang="ko-KR" altLang="en-US"/>
           </a:p>
@@ -1247,7 +1247,7 @@
           <a:p>
             <a:fld id="{89B384C2-21DC-451A-85E7-10117E4DEC2C}" type="datetime1">
               <a:rPr lang="ko-KR" altLang="en-US" smtClean="0"/>
-              <a:t>2019-09-02</a:t>
+              <a:t>2019-09-03</a:t>
             </a:fld>
             <a:endParaRPr lang="ko-KR" altLang="en-US"/>
           </a:p>
@@ -1586,7 +1586,7 @@
           <a:p>
             <a:fld id="{D65EF312-86D8-4FC5-AD84-AFC561126411}" type="datetime1">
               <a:rPr lang="ko-KR" altLang="en-US" smtClean="0"/>
-              <a:t>2019-09-02</a:t>
+              <a:t>2019-09-03</a:t>
             </a:fld>
             <a:endParaRPr lang="ko-KR" altLang="en-US"/>
           </a:p>
@@ -1807,7 +1807,7 @@
           <a:p>
             <a:fld id="{6B7AF35F-C316-4D44-BCE1-B5D76FAA6FA6}" type="datetime1">
               <a:rPr lang="ko-KR" altLang="en-US" smtClean="0"/>
-              <a:t>2019-09-02</a:t>
+              <a:t>2019-09-03</a:t>
             </a:fld>
             <a:endParaRPr lang="ko-KR" altLang="en-US"/>
           </a:p>
@@ -2046,7 +2046,7 @@
           <a:p>
             <a:fld id="{A0DCB827-A3CE-435B-A78F-1B24C298D468}" type="datetime1">
               <a:rPr lang="ko-KR" altLang="en-US" smtClean="0"/>
-              <a:t>2019-09-02</a:t>
+              <a:t>2019-09-03</a:t>
             </a:fld>
             <a:endParaRPr lang="ko-KR" altLang="en-US"/>
           </a:p>
@@ -2148,7 +2148,7 @@
           <a:p>
             <a:fld id="{9B04BE9A-83D6-4A93-9424-19DD5CD63289}" type="datetime1">
               <a:rPr lang="ko-KR" altLang="en-US" smtClean="0"/>
-              <a:t>2019-09-02</a:t>
+              <a:t>2019-09-03</a:t>
             </a:fld>
             <a:endParaRPr lang="ko-KR" altLang="en-US"/>
           </a:p>
@@ -2432,7 +2432,7 @@
           <a:p>
             <a:fld id="{88474E88-0905-4806-88EC-3D6908030BD7}" type="datetime1">
               <a:rPr lang="ko-KR" altLang="en-US" smtClean="0"/>
-              <a:t>2019-09-02</a:t>
+              <a:t>2019-09-03</a:t>
             </a:fld>
             <a:endParaRPr lang="ko-KR" altLang="en-US"/>
           </a:p>
@@ -2692,7 +2692,7 @@
           <a:p>
             <a:fld id="{B4BDB3A4-79A6-4700-AF39-4ADF589BD2FC}" type="datetime1">
               <a:rPr lang="ko-KR" altLang="en-US" smtClean="0"/>
-              <a:t>2019-09-02</a:t>
+              <a:t>2019-09-03</a:t>
             </a:fld>
             <a:endParaRPr lang="ko-KR" altLang="en-US"/>
           </a:p>
@@ -2869,7 +2869,7 @@
           <a:p>
             <a:fld id="{2FF580AF-4AF3-4251-B2D1-BA9096D22850}" type="datetime1">
               <a:rPr lang="ko-KR" altLang="en-US" smtClean="0"/>
-              <a:t>2019-09-02</a:t>
+              <a:t>2019-09-03</a:t>
             </a:fld>
             <a:endParaRPr lang="ko-KR" altLang="en-US"/>
           </a:p>
@@ -3089,7 +3089,7 @@
           <a:p>
             <a:fld id="{3427A348-7E7B-460C-8F18-76B7CB69ACC0}" type="datetime1">
               <a:rPr lang="ko-KR" altLang="en-US" smtClean="0"/>
-              <a:t>2019-09-02</a:t>
+              <a:t>2019-09-03</a:t>
             </a:fld>
             <a:endParaRPr lang="ko-KR" altLang="en-US"/>
           </a:p>
@@ -5358,7 +5358,19 @@
             </a:r>
             <a:r>
               <a:rPr lang="ko-KR" altLang="en-US" dirty="0"/>
-              <a:t>바뀌는 부분은 따로 뽑아서 캡슐화시킨다</a:t>
+              <a:t>바뀌는 부분은 따로 뽑아서 </a:t>
+            </a:r>
+            <a:r>
+              <a:rPr lang="ko-KR" altLang="en-US" dirty="0">
+                <a:solidFill>
+                  <a:srgbClr val="FF0000"/>
+                </a:solidFill>
+              </a:rPr>
+              <a:t>캡슐화</a:t>
+            </a:r>
+            <a:r>
+              <a:rPr lang="ko-KR" altLang="en-US" dirty="0"/>
+              <a:t>시킨다</a:t>
             </a:r>
             <a:r>
               <a:rPr lang="en-US" altLang="ko-KR" dirty="0"/>
@@ -5547,11 +5559,19 @@
           <a:lstStyle/>
           <a:p>
             <a:r>
-              <a:rPr lang="ko-KR" altLang="en-US" b="1" dirty="0" err="1"/>
+              <a:rPr lang="ko-KR" altLang="en-US" b="1" dirty="0" err="1">
+                <a:solidFill>
+                  <a:srgbClr val="FF0000"/>
+                </a:solidFill>
+              </a:rPr>
               <a:t>스트래티지</a:t>
             </a:r>
             <a:r>
-              <a:rPr lang="ko-KR" altLang="en-US" b="1" dirty="0"/>
+              <a:rPr lang="ko-KR" altLang="en-US" b="1" dirty="0">
+                <a:solidFill>
+                  <a:srgbClr val="FF0000"/>
+                </a:solidFill>
+              </a:rPr>
               <a:t> 패턴</a:t>
             </a:r>
             <a:r>
@@ -5687,12 +5707,16 @@
               <a:t>(1) </a:t>
             </a:r>
             <a:r>
-              <a:rPr lang="ko-KR" altLang="en-US" dirty="0" smtClean="0"/>
+              <a:rPr lang="ko-KR" altLang="en-US" b="1" dirty="0" smtClean="0"/>
               <a:t>변하는 </a:t>
             </a:r>
             <a:r>
+              <a:rPr lang="ko-KR" altLang="en-US" b="1" dirty="0"/>
+              <a:t>부분 캡슐화</a:t>
+            </a:r>
+            <a:r>
               <a:rPr lang="ko-KR" altLang="en-US" dirty="0"/>
-              <a:t>부분 캡슐화 </a:t>
+              <a:t> </a:t>
             </a:r>
             <a:endParaRPr lang="en-US" altLang="ko-KR" dirty="0" smtClean="0"/>
           </a:p>
@@ -6023,11 +6047,7 @@
           <a:p>
             <a:r>
               <a:rPr lang="ko-KR" altLang="en-US" dirty="0" smtClean="0"/>
-              <a:t>변하는 부분의 캡슐</a:t>
-            </a:r>
-            <a:r>
-              <a:rPr lang="ko-KR" altLang="en-US" dirty="0" smtClean="0"/>
-              <a:t>화</a:t>
+              <a:t>변하는 부분의 캡슐화</a:t>
             </a:r>
             <a:endParaRPr lang="ko-KR" altLang="en-US" dirty="0"/>
           </a:p>
@@ -6466,7 +6486,7 @@
           <a:bodyPr/>
           <a:lstStyle/>
           <a:p>
-            <a:endParaRPr lang="ko-KR" altLang="en-US"/>
+            <a:endParaRPr lang="ko-KR" altLang="en-US" dirty="0"/>
           </a:p>
         </p:txBody>
       </p:sp>
@@ -6721,7 +6741,7 @@
             <a:r>
               <a:rPr lang="en-US" altLang="ko-KR" dirty="0" smtClean="0">
                 <a:solidFill>
-                  <a:srgbClr val="333333"/>
+                  <a:srgbClr val="FF0000"/>
                 </a:solidFill>
                 <a:latin typeface="NanumGothic"/>
               </a:rPr>
@@ -6730,7 +6750,7 @@
             <a:r>
               <a:rPr lang="ko-KR" altLang="en-US" dirty="0">
                 <a:solidFill>
-                  <a:srgbClr val="333333"/>
+                  <a:srgbClr val="FF0000"/>
                 </a:solidFill>
                 <a:latin typeface="NanumGothic"/>
               </a:rPr>
@@ -6739,7 +6759,7 @@
             <a:r>
               <a:rPr lang="en-US" altLang="ko-KR" dirty="0">
                 <a:solidFill>
-                  <a:srgbClr val="333333"/>
+                  <a:srgbClr val="FF0000"/>
                 </a:solidFill>
                 <a:latin typeface="NanumGothic"/>
               </a:rPr>
@@ -6748,7 +6768,7 @@
             <a:r>
               <a:rPr lang="ko-KR" altLang="en-US" dirty="0">
                 <a:solidFill>
-                  <a:srgbClr val="333333"/>
+                  <a:srgbClr val="FF0000"/>
                 </a:solidFill>
                 <a:latin typeface="NanumGothic"/>
               </a:rPr>
@@ -6757,7 +6777,7 @@
             <a:r>
               <a:rPr lang="en-US" altLang="ko-KR" dirty="0">
                 <a:solidFill>
-                  <a:srgbClr val="333333"/>
+                  <a:srgbClr val="FF0000"/>
                 </a:solidFill>
                 <a:latin typeface="NanumGothic"/>
               </a:rPr>
@@ -6766,11 +6786,20 @@
             <a:r>
               <a:rPr lang="ko-KR" altLang="en-US" dirty="0">
                 <a:solidFill>
-                  <a:srgbClr val="333333"/>
-                </a:solidFill>
-                <a:latin typeface="NanumGothic"/>
-              </a:rPr>
-              <a:t>인터페이스 변수를 추가한 후 위임한 클래스에 날아가기</a:t>
+                  <a:srgbClr val="FF0000"/>
+                </a:solidFill>
+                <a:latin typeface="NanumGothic"/>
+              </a:rPr>
+              <a:t>인터페이스 변수를 추가한 </a:t>
+            </a:r>
+            <a:r>
+              <a:rPr lang="ko-KR" altLang="en-US" dirty="0">
+                <a:solidFill>
+                  <a:srgbClr val="333333"/>
+                </a:solidFill>
+                <a:latin typeface="NanumGothic"/>
+              </a:rPr>
+              <a:t>후 위임한 클래스에 날아가기</a:t>
             </a:r>
             <a:r>
               <a:rPr lang="en-US" altLang="ko-KR" dirty="0">
@@ -7044,7 +7073,7 @@
           <a:bodyPr/>
           <a:lstStyle/>
           <a:p>
-            <a:endParaRPr lang="ko-KR" altLang="en-US"/>
+            <a:endParaRPr lang="ko-KR" altLang="en-US" dirty="0"/>
           </a:p>
         </p:txBody>
       </p:sp>
@@ -7063,7 +7092,7 @@
           <a:bodyPr/>
           <a:lstStyle/>
           <a:p>
-            <a:endParaRPr lang="ko-KR" altLang="en-US"/>
+            <a:endParaRPr lang="ko-KR" altLang="en-US" dirty="0"/>
           </a:p>
         </p:txBody>
       </p:sp>
